--- a/JDS7/JDS7.pptx
+++ b/JDS7/JDS7.pptx
@@ -32,12 +32,15 @@
     <p:sldId id="289" r:id="rId26"/>
     <p:sldId id="277" r:id="rId27"/>
     <p:sldId id="278" r:id="rId28"/>
-    <p:sldId id="279" r:id="rId29"/>
-    <p:sldId id="280" r:id="rId30"/>
-    <p:sldId id="281" r:id="rId31"/>
-    <p:sldId id="282" r:id="rId32"/>
-    <p:sldId id="283" r:id="rId33"/>
-    <p:sldId id="284" r:id="rId34"/>
+    <p:sldId id="280" r:id="rId29"/>
+    <p:sldId id="281" r:id="rId30"/>
+    <p:sldId id="282" r:id="rId31"/>
+    <p:sldId id="283" r:id="rId32"/>
+    <p:sldId id="291" r:id="rId33"/>
+    <p:sldId id="292" r:id="rId34"/>
+    <p:sldId id="293" r:id="rId35"/>
+    <p:sldId id="294" r:id="rId36"/>
+    <p:sldId id="284" r:id="rId37"/>
   </p:sldIdLst>
   <p:sldSz cx="9144000" cy="6858000" type="screen4x3"/>
   <p:notesSz cx="6858000" cy="9144000"/>
@@ -320,7 +323,7 @@
           <a:p>
             <a:fld id="{530820CF-B880-4189-942D-D702A7CBA730}" type="datetimeFigureOut">
               <a:rPr lang="zh-CN" altLang="en-US" smtClean="0"/>
-              <a:t>2018/11/10</a:t>
+              <a:t>2018/12/3</a:t>
             </a:fld>
             <a:endParaRPr lang="zh-CN" altLang="en-US"/>
           </a:p>
@@ -485,7 +488,7 @@
           <a:p>
             <a:fld id="{530820CF-B880-4189-942D-D702A7CBA730}" type="datetimeFigureOut">
               <a:rPr lang="zh-CN" altLang="en-US" smtClean="0"/>
-              <a:t>2018/11/10</a:t>
+              <a:t>2018/12/3</a:t>
             </a:fld>
             <a:endParaRPr lang="zh-CN" altLang="en-US"/>
           </a:p>
@@ -660,7 +663,7 @@
           <a:p>
             <a:fld id="{530820CF-B880-4189-942D-D702A7CBA730}" type="datetimeFigureOut">
               <a:rPr lang="zh-CN" altLang="en-US" smtClean="0"/>
-              <a:t>2018/11/10</a:t>
+              <a:t>2018/12/3</a:t>
             </a:fld>
             <a:endParaRPr lang="zh-CN" altLang="en-US"/>
           </a:p>
@@ -825,7 +828,7 @@
           <a:p>
             <a:fld id="{530820CF-B880-4189-942D-D702A7CBA730}" type="datetimeFigureOut">
               <a:rPr lang="zh-CN" altLang="en-US" smtClean="0"/>
-              <a:t>2018/11/10</a:t>
+              <a:t>2018/12/3</a:t>
             </a:fld>
             <a:endParaRPr lang="zh-CN" altLang="en-US"/>
           </a:p>
@@ -1066,7 +1069,7 @@
           <a:p>
             <a:fld id="{530820CF-B880-4189-942D-D702A7CBA730}" type="datetimeFigureOut">
               <a:rPr lang="zh-CN" altLang="en-US" smtClean="0"/>
-              <a:t>2018/11/10</a:t>
+              <a:t>2018/12/3</a:t>
             </a:fld>
             <a:endParaRPr lang="zh-CN" altLang="en-US"/>
           </a:p>
@@ -1349,7 +1352,7 @@
           <a:p>
             <a:fld id="{530820CF-B880-4189-942D-D702A7CBA730}" type="datetimeFigureOut">
               <a:rPr lang="zh-CN" altLang="en-US" smtClean="0"/>
-              <a:t>2018/11/10</a:t>
+              <a:t>2018/12/3</a:t>
             </a:fld>
             <a:endParaRPr lang="zh-CN" altLang="en-US"/>
           </a:p>
@@ -1766,7 +1769,7 @@
           <a:p>
             <a:fld id="{530820CF-B880-4189-942D-D702A7CBA730}" type="datetimeFigureOut">
               <a:rPr lang="zh-CN" altLang="en-US" smtClean="0"/>
-              <a:t>2018/11/10</a:t>
+              <a:t>2018/12/3</a:t>
             </a:fld>
             <a:endParaRPr lang="zh-CN" altLang="en-US"/>
           </a:p>
@@ -1879,7 +1882,7 @@
           <a:p>
             <a:fld id="{530820CF-B880-4189-942D-D702A7CBA730}" type="datetimeFigureOut">
               <a:rPr lang="zh-CN" altLang="en-US" smtClean="0"/>
-              <a:t>2018/11/10</a:t>
+              <a:t>2018/12/3</a:t>
             </a:fld>
             <a:endParaRPr lang="zh-CN" altLang="en-US"/>
           </a:p>
@@ -1969,7 +1972,7 @@
           <a:p>
             <a:fld id="{530820CF-B880-4189-942D-D702A7CBA730}" type="datetimeFigureOut">
               <a:rPr lang="zh-CN" altLang="en-US" smtClean="0"/>
-              <a:t>2018/11/10</a:t>
+              <a:t>2018/12/3</a:t>
             </a:fld>
             <a:endParaRPr lang="zh-CN" altLang="en-US"/>
           </a:p>
@@ -2241,7 +2244,7 @@
           <a:p>
             <a:fld id="{530820CF-B880-4189-942D-D702A7CBA730}" type="datetimeFigureOut">
               <a:rPr lang="zh-CN" altLang="en-US" smtClean="0"/>
-              <a:t>2018/11/10</a:t>
+              <a:t>2018/12/3</a:t>
             </a:fld>
             <a:endParaRPr lang="zh-CN" altLang="en-US"/>
           </a:p>
@@ -2489,7 +2492,7 @@
           <a:p>
             <a:fld id="{530820CF-B880-4189-942D-D702A7CBA730}" type="datetimeFigureOut">
               <a:rPr lang="zh-CN" altLang="en-US" smtClean="0"/>
-              <a:t>2018/11/10</a:t>
+              <a:t>2018/12/3</a:t>
             </a:fld>
             <a:endParaRPr lang="zh-CN" altLang="en-US"/>
           </a:p>
@@ -2697,7 +2700,7 @@
           <a:p>
             <a:fld id="{530820CF-B880-4189-942D-D702A7CBA730}" type="datetimeFigureOut">
               <a:rPr lang="zh-CN" altLang="en-US" smtClean="0"/>
-              <a:t>2018/11/10</a:t>
+              <a:t>2018/12/3</a:t>
             </a:fld>
             <a:endParaRPr lang="zh-CN" altLang="en-US"/>
           </a:p>
@@ -39609,6 +39612,114 @@
           <a:chExt cx="0" cy="0"/>
         </a:xfrm>
       </p:grpSpPr>
+      <p:sp>
+        <p:nvSpPr>
+          <p:cNvPr id="2" name="圆角矩形 1"/>
+          <p:cNvSpPr/>
+          <p:nvPr/>
+        </p:nvSpPr>
+        <p:spPr>
+          <a:xfrm>
+            <a:off x="323528" y="260648"/>
+            <a:ext cx="2304256" cy="360040"/>
+          </a:xfrm>
+          <a:prstGeom prst="roundRect">
+            <a:avLst/>
+          </a:prstGeom>
+        </p:spPr>
+        <p:style>
+          <a:lnRef idx="2">
+            <a:schemeClr val="accent1">
+              <a:shade val="50000"/>
+            </a:schemeClr>
+          </a:lnRef>
+          <a:fillRef idx="1">
+            <a:schemeClr val="accent1"/>
+          </a:fillRef>
+          <a:effectRef idx="0">
+            <a:schemeClr val="accent1"/>
+          </a:effectRef>
+          <a:fontRef idx="minor">
+            <a:schemeClr val="lt1"/>
+          </a:fontRef>
+        </p:style>
+        <p:txBody>
+          <a:bodyPr rtlCol="0" anchor="ctr"/>
+          <a:lstStyle/>
+          <a:p>
+            <a:pPr algn="ctr"/>
+            <a:r>
+              <a:rPr lang="en-US" altLang="zh-CN" dirty="0" err="1" smtClean="0"/>
+              <a:t>BucketSort</a:t>
+            </a:r>
+            <a:endParaRPr lang="zh-CN" altLang="en-US" dirty="0"/>
+          </a:p>
+        </p:txBody>
+      </p:sp>
+      <p:pic>
+        <p:nvPicPr>
+          <p:cNvPr id="1026" name="Picture 2"/>
+          <p:cNvPicPr>
+            <a:picLocks noChangeAspect="1" noChangeArrowheads="1"/>
+          </p:cNvPicPr>
+          <p:nvPr/>
+        </p:nvPicPr>
+        <p:blipFill>
+          <a:blip r:embed="rId2">
+            <a:extLst>
+              <a:ext uri="{28A0092B-C50C-407E-A947-70E740481C1C}">
+                <a14:useLocalDpi xmlns:a14="http://schemas.microsoft.com/office/drawing/2010/main" val="0"/>
+              </a:ext>
+            </a:extLst>
+          </a:blip>
+          <a:srcRect/>
+          <a:stretch>
+            <a:fillRect/>
+          </a:stretch>
+        </p:blipFill>
+        <p:spPr bwMode="auto">
+          <a:xfrm>
+            <a:off x="683568" y="2276872"/>
+            <a:ext cx="8018463" cy="2495550"/>
+          </a:xfrm>
+          <a:prstGeom prst="rect">
+            <a:avLst/>
+          </a:prstGeom>
+          <a:noFill/>
+          <a:ln>
+            <a:noFill/>
+          </a:ln>
+          <a:effectLst/>
+          <a:extLst>
+            <a:ext uri="{909E8E84-426E-40DD-AFC4-6F175D3DCCD1}">
+              <a14:hiddenFill xmlns:a14="http://schemas.microsoft.com/office/drawing/2010/main">
+                <a:solidFill>
+                  <a:schemeClr val="accent1"/>
+                </a:solidFill>
+              </a14:hiddenFill>
+            </a:ext>
+            <a:ext uri="{91240B29-F687-4F45-9708-019B960494DF}">
+              <a14:hiddenLine xmlns:a14="http://schemas.microsoft.com/office/drawing/2010/main" w="9525">
+                <a:solidFill>
+                  <a:schemeClr val="tx1"/>
+                </a:solidFill>
+                <a:miter lim="800000"/>
+                <a:headEnd/>
+                <a:tailEnd/>
+              </a14:hiddenLine>
+            </a:ext>
+            <a:ext uri="{AF507438-7753-43E0-B8FC-AC1667EBCBE1}">
+              <a14:hiddenEffects xmlns:a14="http://schemas.microsoft.com/office/drawing/2010/main">
+                <a:effectLst>
+                  <a:outerShdw dist="35921" dir="2700000" algn="ctr" rotWithShape="0">
+                    <a:schemeClr val="bg2"/>
+                  </a:outerShdw>
+                </a:effectLst>
+              </a14:hiddenEffects>
+            </a:ext>
+          </a:extLst>
+        </p:spPr>
+      </p:pic>
     </p:spTree>
     <p:extLst>
       <p:ext uri="{BB962C8B-B14F-4D97-AF65-F5344CB8AC3E}">
@@ -40972,7 +41083,7 @@
     </p:spTree>
     <p:extLst>
       <p:ext uri="{BB962C8B-B14F-4D97-AF65-F5344CB8AC3E}">
-        <p14:creationId xmlns:p14="http://schemas.microsoft.com/office/powerpoint/2010/main" val="278180632"/>
+        <p14:creationId xmlns:p14="http://schemas.microsoft.com/office/powerpoint/2010/main" val="4043976610"/>
       </p:ext>
     </p:extLst>
   </p:cSld>
@@ -40983,6 +41094,96 @@
 </file>
 
 <file path=ppt/slides/slide33.xml><?xml version="1.0" encoding="utf-8"?>
+<p:sld xmlns:a="http://schemas.openxmlformats.org/drawingml/2006/main" xmlns:r="http://schemas.openxmlformats.org/officeDocument/2006/relationships" xmlns:p="http://schemas.openxmlformats.org/presentationml/2006/main">
+  <p:cSld>
+    <p:spTree>
+      <p:nvGrpSpPr>
+        <p:cNvPr id="1" name=""/>
+        <p:cNvGrpSpPr/>
+        <p:nvPr/>
+      </p:nvGrpSpPr>
+      <p:grpSpPr>
+        <a:xfrm>
+          <a:off x="0" y="0"/>
+          <a:ext cx="0" cy="0"/>
+          <a:chOff x="0" y="0"/>
+          <a:chExt cx="0" cy="0"/>
+        </a:xfrm>
+      </p:grpSpPr>
+    </p:spTree>
+    <p:extLst>
+      <p:ext uri="{BB962C8B-B14F-4D97-AF65-F5344CB8AC3E}">
+        <p14:creationId xmlns:p14="http://schemas.microsoft.com/office/powerpoint/2010/main" val="4043976610"/>
+      </p:ext>
+    </p:extLst>
+  </p:cSld>
+  <p:clrMapOvr>
+    <a:masterClrMapping/>
+  </p:clrMapOvr>
+</p:sld>
+</file>
+
+<file path=ppt/slides/slide34.xml><?xml version="1.0" encoding="utf-8"?>
+<p:sld xmlns:a="http://schemas.openxmlformats.org/drawingml/2006/main" xmlns:r="http://schemas.openxmlformats.org/officeDocument/2006/relationships" xmlns:p="http://schemas.openxmlformats.org/presentationml/2006/main">
+  <p:cSld>
+    <p:spTree>
+      <p:nvGrpSpPr>
+        <p:cNvPr id="1" name=""/>
+        <p:cNvGrpSpPr/>
+        <p:nvPr/>
+      </p:nvGrpSpPr>
+      <p:grpSpPr>
+        <a:xfrm>
+          <a:off x="0" y="0"/>
+          <a:ext cx="0" cy="0"/>
+          <a:chOff x="0" y="0"/>
+          <a:chExt cx="0" cy="0"/>
+        </a:xfrm>
+      </p:grpSpPr>
+    </p:spTree>
+    <p:extLst>
+      <p:ext uri="{BB962C8B-B14F-4D97-AF65-F5344CB8AC3E}">
+        <p14:creationId xmlns:p14="http://schemas.microsoft.com/office/powerpoint/2010/main" val="4043976610"/>
+      </p:ext>
+    </p:extLst>
+  </p:cSld>
+  <p:clrMapOvr>
+    <a:masterClrMapping/>
+  </p:clrMapOvr>
+</p:sld>
+</file>
+
+<file path=ppt/slides/slide35.xml><?xml version="1.0" encoding="utf-8"?>
+<p:sld xmlns:a="http://schemas.openxmlformats.org/drawingml/2006/main" xmlns:r="http://schemas.openxmlformats.org/officeDocument/2006/relationships" xmlns:p="http://schemas.openxmlformats.org/presentationml/2006/main">
+  <p:cSld>
+    <p:spTree>
+      <p:nvGrpSpPr>
+        <p:cNvPr id="1" name=""/>
+        <p:cNvGrpSpPr/>
+        <p:nvPr/>
+      </p:nvGrpSpPr>
+      <p:grpSpPr>
+        <a:xfrm>
+          <a:off x="0" y="0"/>
+          <a:ext cx="0" cy="0"/>
+          <a:chOff x="0" y="0"/>
+          <a:chExt cx="0" cy="0"/>
+        </a:xfrm>
+      </p:grpSpPr>
+    </p:spTree>
+    <p:extLst>
+      <p:ext uri="{BB962C8B-B14F-4D97-AF65-F5344CB8AC3E}">
+        <p14:creationId xmlns:p14="http://schemas.microsoft.com/office/powerpoint/2010/main" val="4043976610"/>
+      </p:ext>
+    </p:extLst>
+  </p:cSld>
+  <p:clrMapOvr>
+    <a:masterClrMapping/>
+  </p:clrMapOvr>
+</p:sld>
+</file>
+
+<file path=ppt/slides/slide36.xml><?xml version="1.0" encoding="utf-8"?>
 <p:sld xmlns:a="http://schemas.openxmlformats.org/drawingml/2006/main" xmlns:r="http://schemas.openxmlformats.org/officeDocument/2006/relationships" xmlns:p="http://schemas.openxmlformats.org/presentationml/2006/main">
   <p:cSld>
     <p:spTree>
